--- a/Jiarong.pptx
+++ b/Jiarong.pptx
@@ -224,7 +224,7 @@
           <a:p>
             <a:fld id="{934D6B24-3E81-4BD2-AA44-4B2784069B6F}" type="datetimeFigureOut">
               <a:rPr lang="zh-CN" altLang="en-US" smtClean="0"/>
-              <a:t>2020/6/13</a:t>
+              <a:t>2020/6/15</a:t>
             </a:fld>
             <a:endParaRPr lang="zh-CN" altLang="en-US"/>
           </a:p>
@@ -2544,7 +2544,7 @@
           <a:p>
             <a:fld id="{78D4CD18-A645-4599-9737-2DEBCEB86E1A}" type="datetimeFigureOut">
               <a:rPr lang="zh-CN" altLang="en-US" smtClean="0"/>
-              <a:t>2020/6/13</a:t>
+              <a:t>2020/6/15</a:t>
             </a:fld>
             <a:endParaRPr lang="zh-CN" altLang="en-US"/>
           </a:p>
@@ -2742,7 +2742,7 @@
           <a:p>
             <a:fld id="{78D4CD18-A645-4599-9737-2DEBCEB86E1A}" type="datetimeFigureOut">
               <a:rPr lang="zh-CN" altLang="en-US" smtClean="0"/>
-              <a:t>2020/6/13</a:t>
+              <a:t>2020/6/15</a:t>
             </a:fld>
             <a:endParaRPr lang="zh-CN" altLang="en-US"/>
           </a:p>
@@ -2950,7 +2950,7 @@
           <a:p>
             <a:fld id="{78D4CD18-A645-4599-9737-2DEBCEB86E1A}" type="datetimeFigureOut">
               <a:rPr lang="zh-CN" altLang="en-US" smtClean="0"/>
-              <a:t>2020/6/13</a:t>
+              <a:t>2020/6/15</a:t>
             </a:fld>
             <a:endParaRPr lang="zh-CN" altLang="en-US"/>
           </a:p>
@@ -3148,7 +3148,7 @@
           <a:p>
             <a:fld id="{78D4CD18-A645-4599-9737-2DEBCEB86E1A}" type="datetimeFigureOut">
               <a:rPr lang="zh-CN" altLang="en-US" smtClean="0"/>
-              <a:t>2020/6/13</a:t>
+              <a:t>2020/6/15</a:t>
             </a:fld>
             <a:endParaRPr lang="zh-CN" altLang="en-US"/>
           </a:p>
@@ -3423,7 +3423,7 @@
           <a:p>
             <a:fld id="{78D4CD18-A645-4599-9737-2DEBCEB86E1A}" type="datetimeFigureOut">
               <a:rPr lang="zh-CN" altLang="en-US" smtClean="0"/>
-              <a:t>2020/6/13</a:t>
+              <a:t>2020/6/15</a:t>
             </a:fld>
             <a:endParaRPr lang="zh-CN" altLang="en-US"/>
           </a:p>
@@ -3688,7 +3688,7 @@
           <a:p>
             <a:fld id="{78D4CD18-A645-4599-9737-2DEBCEB86E1A}" type="datetimeFigureOut">
               <a:rPr lang="zh-CN" altLang="en-US" smtClean="0"/>
-              <a:t>2020/6/13</a:t>
+              <a:t>2020/6/15</a:t>
             </a:fld>
             <a:endParaRPr lang="zh-CN" altLang="en-US"/>
           </a:p>
@@ -4100,7 +4100,7 @@
           <a:p>
             <a:fld id="{78D4CD18-A645-4599-9737-2DEBCEB86E1A}" type="datetimeFigureOut">
               <a:rPr lang="zh-CN" altLang="en-US" smtClean="0"/>
-              <a:t>2020/6/13</a:t>
+              <a:t>2020/6/15</a:t>
             </a:fld>
             <a:endParaRPr lang="zh-CN" altLang="en-US"/>
           </a:p>
@@ -4241,7 +4241,7 @@
           <a:p>
             <a:fld id="{78D4CD18-A645-4599-9737-2DEBCEB86E1A}" type="datetimeFigureOut">
               <a:rPr lang="zh-CN" altLang="en-US" smtClean="0"/>
-              <a:t>2020/6/13</a:t>
+              <a:t>2020/6/15</a:t>
             </a:fld>
             <a:endParaRPr lang="zh-CN" altLang="en-US"/>
           </a:p>
@@ -4354,7 +4354,7 @@
           <a:p>
             <a:fld id="{78D4CD18-A645-4599-9737-2DEBCEB86E1A}" type="datetimeFigureOut">
               <a:rPr lang="zh-CN" altLang="en-US" smtClean="0"/>
-              <a:t>2020/6/13</a:t>
+              <a:t>2020/6/15</a:t>
             </a:fld>
             <a:endParaRPr lang="zh-CN" altLang="en-US"/>
           </a:p>
@@ -4665,7 +4665,7 @@
           <a:p>
             <a:fld id="{78D4CD18-A645-4599-9737-2DEBCEB86E1A}" type="datetimeFigureOut">
               <a:rPr lang="zh-CN" altLang="en-US" smtClean="0"/>
-              <a:t>2020/6/13</a:t>
+              <a:t>2020/6/15</a:t>
             </a:fld>
             <a:endParaRPr lang="zh-CN" altLang="en-US"/>
           </a:p>
@@ -4953,7 +4953,7 @@
           <a:p>
             <a:fld id="{78D4CD18-A645-4599-9737-2DEBCEB86E1A}" type="datetimeFigureOut">
               <a:rPr lang="zh-CN" altLang="en-US" smtClean="0"/>
-              <a:t>2020/6/13</a:t>
+              <a:t>2020/6/15</a:t>
             </a:fld>
             <a:endParaRPr lang="zh-CN" altLang="en-US"/>
           </a:p>
@@ -5194,7 +5194,7 @@
           <a:p>
             <a:fld id="{78D4CD18-A645-4599-9737-2DEBCEB86E1A}" type="datetimeFigureOut">
               <a:rPr lang="zh-CN" altLang="en-US" smtClean="0"/>
-              <a:t>2020/6/13</a:t>
+              <a:t>2020/6/15</a:t>
             </a:fld>
             <a:endParaRPr lang="zh-CN" altLang="en-US"/>
           </a:p>
@@ -6238,10 +6238,10 @@
       </p:pic>
       <p:pic>
         <p:nvPicPr>
-          <p:cNvPr id="6" name="图片 5" descr="图片包含 游戏机, 女人, 桌子, 躺&#10;&#10;描述已自动生成">
-            <a:extLst>
-              <a:ext uri="{FF2B5EF4-FFF2-40B4-BE49-F238E27FC236}">
-                <a16:creationId xmlns:a16="http://schemas.microsoft.com/office/drawing/2014/main" id="{F2AAC968-77E8-494E-A42C-69F445096146}"/>
+          <p:cNvPr id="7" name="图片 6" descr="图片包含 游戏机, 男人, 大, 游戏&#10;&#10;描述已自动生成">
+            <a:extLst>
+              <a:ext uri="{FF2B5EF4-FFF2-40B4-BE49-F238E27FC236}">
+                <a16:creationId xmlns:a16="http://schemas.microsoft.com/office/drawing/2014/main" id="{950C2A46-83F3-402E-A2E4-CE092F5220A2}"/>
               </a:ext>
             </a:extLst>
           </p:cNvPr>
@@ -6264,8 +6264,8 @@
         </p:blipFill>
         <p:spPr>
           <a:xfrm>
-            <a:off x="8575115" y="856091"/>
-            <a:ext cx="3217491" cy="5145818"/>
+            <a:off x="8776930" y="330664"/>
+            <a:ext cx="3415070" cy="5600947"/>
           </a:xfrm>
           <a:prstGeom prst="rect">
             <a:avLst/>
